--- a/1-1_Introducing_MachineLearning.pptx
+++ b/1-1_Introducing_MachineLearning.pptx
@@ -114,6 +114,11 @@
       </a:defRPr>
     </a:lvl9pPr>
   </p:defaultTextStyle>
+  <p:extLst>
+    <p:ext uri="{EFAFB233-063F-42B5-8137-9DF3F51BA10A}">
+      <p15:sldGuideLst xmlns:p15="http://schemas.microsoft.com/office/powerpoint/2012/main"/>
+    </p:ext>
+  </p:extLst>
 </p:presentation>
 </file>
 
@@ -264,7 +269,7 @@
           <a:p>
             <a:fld id="{D43C9942-2545-4F48-A7A7-1164F218558C}" type="datetimeFigureOut">
               <a:rPr lang="ko-KR" altLang="en-US" smtClean="0"/>
-              <a:t>2022-03-28</a:t>
+              <a:t>2022-03-29</a:t>
             </a:fld>
             <a:endParaRPr lang="ko-KR" altLang="en-US"/>
           </a:p>
@@ -462,7 +467,7 @@
           <a:p>
             <a:fld id="{D43C9942-2545-4F48-A7A7-1164F218558C}" type="datetimeFigureOut">
               <a:rPr lang="ko-KR" altLang="en-US" smtClean="0"/>
-              <a:t>2022-03-28</a:t>
+              <a:t>2022-03-29</a:t>
             </a:fld>
             <a:endParaRPr lang="ko-KR" altLang="en-US"/>
           </a:p>
@@ -670,7 +675,7 @@
           <a:p>
             <a:fld id="{D43C9942-2545-4F48-A7A7-1164F218558C}" type="datetimeFigureOut">
               <a:rPr lang="ko-KR" altLang="en-US" smtClean="0"/>
-              <a:t>2022-03-28</a:t>
+              <a:t>2022-03-29</a:t>
             </a:fld>
             <a:endParaRPr lang="ko-KR" altLang="en-US"/>
           </a:p>
@@ -868,7 +873,7 @@
           <a:p>
             <a:fld id="{D43C9942-2545-4F48-A7A7-1164F218558C}" type="datetimeFigureOut">
               <a:rPr lang="ko-KR" altLang="en-US" smtClean="0"/>
-              <a:t>2022-03-28</a:t>
+              <a:t>2022-03-29</a:t>
             </a:fld>
             <a:endParaRPr lang="ko-KR" altLang="en-US"/>
           </a:p>
@@ -1143,7 +1148,7 @@
           <a:p>
             <a:fld id="{D43C9942-2545-4F48-A7A7-1164F218558C}" type="datetimeFigureOut">
               <a:rPr lang="ko-KR" altLang="en-US" smtClean="0"/>
-              <a:t>2022-03-28</a:t>
+              <a:t>2022-03-29</a:t>
             </a:fld>
             <a:endParaRPr lang="ko-KR" altLang="en-US"/>
           </a:p>
@@ -1408,7 +1413,7 @@
           <a:p>
             <a:fld id="{D43C9942-2545-4F48-A7A7-1164F218558C}" type="datetimeFigureOut">
               <a:rPr lang="ko-KR" altLang="en-US" smtClean="0"/>
-              <a:t>2022-03-28</a:t>
+              <a:t>2022-03-29</a:t>
             </a:fld>
             <a:endParaRPr lang="ko-KR" altLang="en-US"/>
           </a:p>
@@ -1820,7 +1825,7 @@
           <a:p>
             <a:fld id="{D43C9942-2545-4F48-A7A7-1164F218558C}" type="datetimeFigureOut">
               <a:rPr lang="ko-KR" altLang="en-US" smtClean="0"/>
-              <a:t>2022-03-28</a:t>
+              <a:t>2022-03-29</a:t>
             </a:fld>
             <a:endParaRPr lang="ko-KR" altLang="en-US"/>
           </a:p>
@@ -1961,7 +1966,7 @@
           <a:p>
             <a:fld id="{D43C9942-2545-4F48-A7A7-1164F218558C}" type="datetimeFigureOut">
               <a:rPr lang="ko-KR" altLang="en-US" smtClean="0"/>
-              <a:t>2022-03-28</a:t>
+              <a:t>2022-03-29</a:t>
             </a:fld>
             <a:endParaRPr lang="ko-KR" altLang="en-US"/>
           </a:p>
@@ -2074,7 +2079,7 @@
           <a:p>
             <a:fld id="{D43C9942-2545-4F48-A7A7-1164F218558C}" type="datetimeFigureOut">
               <a:rPr lang="ko-KR" altLang="en-US" smtClean="0"/>
-              <a:t>2022-03-28</a:t>
+              <a:t>2022-03-29</a:t>
             </a:fld>
             <a:endParaRPr lang="ko-KR" altLang="en-US"/>
           </a:p>
@@ -2385,7 +2390,7 @@
           <a:p>
             <a:fld id="{D43C9942-2545-4F48-A7A7-1164F218558C}" type="datetimeFigureOut">
               <a:rPr lang="ko-KR" altLang="en-US" smtClean="0"/>
-              <a:t>2022-03-28</a:t>
+              <a:t>2022-03-29</a:t>
             </a:fld>
             <a:endParaRPr lang="ko-KR" altLang="en-US"/>
           </a:p>
@@ -2673,7 +2678,7 @@
           <a:p>
             <a:fld id="{D43C9942-2545-4F48-A7A7-1164F218558C}" type="datetimeFigureOut">
               <a:rPr lang="ko-KR" altLang="en-US" smtClean="0"/>
-              <a:t>2022-03-28</a:t>
+              <a:t>2022-03-29</a:t>
             </a:fld>
             <a:endParaRPr lang="ko-KR" altLang="en-US"/>
           </a:p>
@@ -2914,7 +2919,7 @@
           <a:p>
             <a:fld id="{D43C9942-2545-4F48-A7A7-1164F218558C}" type="datetimeFigureOut">
               <a:rPr lang="ko-KR" altLang="en-US" smtClean="0"/>
-              <a:t>2022-03-28</a:t>
+              <a:t>2022-03-29</a:t>
             </a:fld>
             <a:endParaRPr lang="ko-KR" altLang="en-US"/>
           </a:p>
@@ -3396,6 +3401,42 @@
           </a:p>
         </p:txBody>
       </p:sp>
+      <p:pic>
+        <p:nvPicPr>
+          <p:cNvPr id="4" name="그림 3">
+            <a:extLst>
+              <a:ext uri="{FF2B5EF4-FFF2-40B4-BE49-F238E27FC236}">
+                <a16:creationId xmlns:a16="http://schemas.microsoft.com/office/drawing/2014/main" id="{9340F6E5-B323-4506-A730-AB3789672C27}"/>
+              </a:ext>
+            </a:extLst>
+          </p:cNvPr>
+          <p:cNvPicPr>
+            <a:picLocks noChangeAspect="1"/>
+          </p:cNvPicPr>
+          <p:nvPr/>
+        </p:nvPicPr>
+        <p:blipFill>
+          <a:blip r:embed="rId2">
+            <a:extLst>
+              <a:ext uri="{28A0092B-C50C-407E-A947-70E740481C1C}">
+                <a14:useLocalDpi xmlns:a14="http://schemas.microsoft.com/office/drawing/2010/main" val="0"/>
+              </a:ext>
+            </a:extLst>
+          </a:blip>
+          <a:stretch>
+            <a:fillRect/>
+          </a:stretch>
+        </p:blipFill>
+        <p:spPr>
+          <a:xfrm>
+            <a:off x="9017429" y="6124103"/>
+            <a:ext cx="3031958" cy="733897"/>
+          </a:xfrm>
+          <a:prstGeom prst="rect">
+            <a:avLst/>
+          </a:prstGeom>
+        </p:spPr>
+      </p:pic>
     </p:spTree>
     <p:extLst>
       <p:ext uri="{BB962C8B-B14F-4D97-AF65-F5344CB8AC3E}">
@@ -4127,6 +4168,42 @@
           </a:graphicData>
         </a:graphic>
       </p:graphicFrame>
+      <p:pic>
+        <p:nvPicPr>
+          <p:cNvPr id="4" name="그림 3">
+            <a:extLst>
+              <a:ext uri="{FF2B5EF4-FFF2-40B4-BE49-F238E27FC236}">
+                <a16:creationId xmlns:a16="http://schemas.microsoft.com/office/drawing/2014/main" id="{A6E257F9-D64D-4293-A40E-1E2460126C58}"/>
+              </a:ext>
+            </a:extLst>
+          </p:cNvPr>
+          <p:cNvPicPr>
+            <a:picLocks noChangeAspect="1"/>
+          </p:cNvPicPr>
+          <p:nvPr/>
+        </p:nvPicPr>
+        <p:blipFill>
+          <a:blip r:embed="rId2">
+            <a:extLst>
+              <a:ext uri="{28A0092B-C50C-407E-A947-70E740481C1C}">
+                <a14:useLocalDpi xmlns:a14="http://schemas.microsoft.com/office/drawing/2010/main" val="0"/>
+              </a:ext>
+            </a:extLst>
+          </a:blip>
+          <a:stretch>
+            <a:fillRect/>
+          </a:stretch>
+        </p:blipFill>
+        <p:spPr>
+          <a:xfrm>
+            <a:off x="9017429" y="6124103"/>
+            <a:ext cx="3031958" cy="733897"/>
+          </a:xfrm>
+          <a:prstGeom prst="rect">
+            <a:avLst/>
+          </a:prstGeom>
+        </p:spPr>
+      </p:pic>
     </p:spTree>
     <p:extLst>
       <p:ext uri="{BB962C8B-B14F-4D97-AF65-F5344CB8AC3E}">
@@ -4227,6 +4304,42 @@
           </a:p>
         </p:txBody>
       </p:sp>
+      <p:pic>
+        <p:nvPicPr>
+          <p:cNvPr id="4" name="그림 3">
+            <a:extLst>
+              <a:ext uri="{FF2B5EF4-FFF2-40B4-BE49-F238E27FC236}">
+                <a16:creationId xmlns:a16="http://schemas.microsoft.com/office/drawing/2014/main" id="{B938541B-2FA1-4584-BA36-AF9064D304AF}"/>
+              </a:ext>
+            </a:extLst>
+          </p:cNvPr>
+          <p:cNvPicPr>
+            <a:picLocks noChangeAspect="1"/>
+          </p:cNvPicPr>
+          <p:nvPr/>
+        </p:nvPicPr>
+        <p:blipFill>
+          <a:blip r:embed="rId2">
+            <a:extLst>
+              <a:ext uri="{28A0092B-C50C-407E-A947-70E740481C1C}">
+                <a14:useLocalDpi xmlns:a14="http://schemas.microsoft.com/office/drawing/2010/main" val="0"/>
+              </a:ext>
+            </a:extLst>
+          </a:blip>
+          <a:stretch>
+            <a:fillRect/>
+          </a:stretch>
+        </p:blipFill>
+        <p:spPr>
+          <a:xfrm>
+            <a:off x="9017429" y="6124103"/>
+            <a:ext cx="3031958" cy="733897"/>
+          </a:xfrm>
+          <a:prstGeom prst="rect">
+            <a:avLst/>
+          </a:prstGeom>
+        </p:spPr>
+      </p:pic>
     </p:spTree>
     <p:extLst>
       <p:ext uri="{BB962C8B-B14F-4D97-AF65-F5344CB8AC3E}">
@@ -4415,7 +4528,7 @@
         </p:nvSpPr>
         <p:spPr>
           <a:xfrm>
-            <a:off x="6912528" y="2857747"/>
+            <a:off x="6912528" y="2885758"/>
             <a:ext cx="1449198" cy="523220"/>
           </a:xfrm>
           <a:prstGeom prst="rect">
@@ -4763,6 +4876,42 @@
           </a:p>
         </p:txBody>
       </p:sp>
+      <p:pic>
+        <p:nvPicPr>
+          <p:cNvPr id="16" name="그림 15">
+            <a:extLst>
+              <a:ext uri="{FF2B5EF4-FFF2-40B4-BE49-F238E27FC236}">
+                <a16:creationId xmlns:a16="http://schemas.microsoft.com/office/drawing/2014/main" id="{487CD591-EC4D-497E-859D-BD489CF7135D}"/>
+              </a:ext>
+            </a:extLst>
+          </p:cNvPr>
+          <p:cNvPicPr>
+            <a:picLocks noChangeAspect="1"/>
+          </p:cNvPicPr>
+          <p:nvPr/>
+        </p:nvPicPr>
+        <p:blipFill>
+          <a:blip r:embed="rId3">
+            <a:extLst>
+              <a:ext uri="{28A0092B-C50C-407E-A947-70E740481C1C}">
+                <a14:useLocalDpi xmlns:a14="http://schemas.microsoft.com/office/drawing/2010/main" val="0"/>
+              </a:ext>
+            </a:extLst>
+          </a:blip>
+          <a:stretch>
+            <a:fillRect/>
+          </a:stretch>
+        </p:blipFill>
+        <p:spPr>
+          <a:xfrm>
+            <a:off x="9017429" y="6124103"/>
+            <a:ext cx="3031958" cy="733897"/>
+          </a:xfrm>
+          <a:prstGeom prst="rect">
+            <a:avLst/>
+          </a:prstGeom>
+        </p:spPr>
+      </p:pic>
     </p:spTree>
     <p:extLst>
       <p:ext uri="{BB962C8B-B14F-4D97-AF65-F5344CB8AC3E}">
@@ -5917,6 +6066,42 @@
           </a:p>
         </p:txBody>
       </p:sp>
+      <p:pic>
+        <p:nvPicPr>
+          <p:cNvPr id="20" name="그림 19">
+            <a:extLst>
+              <a:ext uri="{FF2B5EF4-FFF2-40B4-BE49-F238E27FC236}">
+                <a16:creationId xmlns:a16="http://schemas.microsoft.com/office/drawing/2014/main" id="{9C4E88B1-7D9F-46EC-9296-3F3DD5031BB2}"/>
+              </a:ext>
+            </a:extLst>
+          </p:cNvPr>
+          <p:cNvPicPr>
+            <a:picLocks noChangeAspect="1"/>
+          </p:cNvPicPr>
+          <p:nvPr/>
+        </p:nvPicPr>
+        <p:blipFill>
+          <a:blip r:embed="rId3">
+            <a:extLst>
+              <a:ext uri="{28A0092B-C50C-407E-A947-70E740481C1C}">
+                <a14:useLocalDpi xmlns:a14="http://schemas.microsoft.com/office/drawing/2010/main" val="0"/>
+              </a:ext>
+            </a:extLst>
+          </a:blip>
+          <a:stretch>
+            <a:fillRect/>
+          </a:stretch>
+        </p:blipFill>
+        <p:spPr>
+          <a:xfrm>
+            <a:off x="9017429" y="6124103"/>
+            <a:ext cx="3031958" cy="733897"/>
+          </a:xfrm>
+          <a:prstGeom prst="rect">
+            <a:avLst/>
+          </a:prstGeom>
+        </p:spPr>
+      </p:pic>
     </p:spTree>
     <p:extLst>
       <p:ext uri="{BB962C8B-B14F-4D97-AF65-F5344CB8AC3E}">
@@ -7022,6 +7207,42 @@
           </a:p>
         </p:txBody>
       </p:sp>
+      <p:pic>
+        <p:nvPicPr>
+          <p:cNvPr id="20" name="그림 19">
+            <a:extLst>
+              <a:ext uri="{FF2B5EF4-FFF2-40B4-BE49-F238E27FC236}">
+                <a16:creationId xmlns:a16="http://schemas.microsoft.com/office/drawing/2014/main" id="{3C7B73CA-C8F3-41B8-BCAA-50FD439B880D}"/>
+              </a:ext>
+            </a:extLst>
+          </p:cNvPr>
+          <p:cNvPicPr>
+            <a:picLocks noChangeAspect="1"/>
+          </p:cNvPicPr>
+          <p:nvPr/>
+        </p:nvPicPr>
+        <p:blipFill>
+          <a:blip r:embed="rId3">
+            <a:extLst>
+              <a:ext uri="{28A0092B-C50C-407E-A947-70E740481C1C}">
+                <a14:useLocalDpi xmlns:a14="http://schemas.microsoft.com/office/drawing/2010/main" val="0"/>
+              </a:ext>
+            </a:extLst>
+          </a:blip>
+          <a:stretch>
+            <a:fillRect/>
+          </a:stretch>
+        </p:blipFill>
+        <p:spPr>
+          <a:xfrm>
+            <a:off x="9017429" y="6124103"/>
+            <a:ext cx="3031958" cy="733897"/>
+          </a:xfrm>
+          <a:prstGeom prst="rect">
+            <a:avLst/>
+          </a:prstGeom>
+        </p:spPr>
+      </p:pic>
     </p:spTree>
     <p:extLst>
       <p:ext uri="{BB962C8B-B14F-4D97-AF65-F5344CB8AC3E}">
@@ -7146,7 +7367,7 @@
         </p:nvSpPr>
         <p:spPr>
           <a:xfrm>
-            <a:off x="3198944" y="2129959"/>
+            <a:off x="3193529" y="2153585"/>
             <a:ext cx="1449198" cy="523220"/>
           </a:xfrm>
           <a:prstGeom prst="rect">
@@ -7518,6 +7739,42 @@
           </a:p>
         </p:txBody>
       </p:sp>
+      <p:pic>
+        <p:nvPicPr>
+          <p:cNvPr id="11" name="그림 10">
+            <a:extLst>
+              <a:ext uri="{FF2B5EF4-FFF2-40B4-BE49-F238E27FC236}">
+                <a16:creationId xmlns:a16="http://schemas.microsoft.com/office/drawing/2014/main" id="{1A84E381-E039-4325-99AD-3744B935DE0A}"/>
+              </a:ext>
+            </a:extLst>
+          </p:cNvPr>
+          <p:cNvPicPr>
+            <a:picLocks noChangeAspect="1"/>
+          </p:cNvPicPr>
+          <p:nvPr/>
+        </p:nvPicPr>
+        <p:blipFill>
+          <a:blip r:embed="rId2">
+            <a:extLst>
+              <a:ext uri="{28A0092B-C50C-407E-A947-70E740481C1C}">
+                <a14:useLocalDpi xmlns:a14="http://schemas.microsoft.com/office/drawing/2010/main" val="0"/>
+              </a:ext>
+            </a:extLst>
+          </a:blip>
+          <a:stretch>
+            <a:fillRect/>
+          </a:stretch>
+        </p:blipFill>
+        <p:spPr>
+          <a:xfrm>
+            <a:off x="9017429" y="6124103"/>
+            <a:ext cx="3031958" cy="733897"/>
+          </a:xfrm>
+          <a:prstGeom prst="rect">
+            <a:avLst/>
+          </a:prstGeom>
+        </p:spPr>
+      </p:pic>
     </p:spTree>
     <p:extLst>
       <p:ext uri="{BB962C8B-B14F-4D97-AF65-F5344CB8AC3E}">
@@ -8320,6 +8577,42 @@
           </a:graphicData>
         </a:graphic>
       </p:graphicFrame>
+      <p:pic>
+        <p:nvPicPr>
+          <p:cNvPr id="4" name="그림 3">
+            <a:extLst>
+              <a:ext uri="{FF2B5EF4-FFF2-40B4-BE49-F238E27FC236}">
+                <a16:creationId xmlns:a16="http://schemas.microsoft.com/office/drawing/2014/main" id="{84005DA1-283C-4C70-92AA-7AA6205B16D6}"/>
+              </a:ext>
+            </a:extLst>
+          </p:cNvPr>
+          <p:cNvPicPr>
+            <a:picLocks noChangeAspect="1"/>
+          </p:cNvPicPr>
+          <p:nvPr/>
+        </p:nvPicPr>
+        <p:blipFill>
+          <a:blip r:embed="rId2">
+            <a:extLst>
+              <a:ext uri="{28A0092B-C50C-407E-A947-70E740481C1C}">
+                <a14:useLocalDpi xmlns:a14="http://schemas.microsoft.com/office/drawing/2010/main" val="0"/>
+              </a:ext>
+            </a:extLst>
+          </a:blip>
+          <a:stretch>
+            <a:fillRect/>
+          </a:stretch>
+        </p:blipFill>
+        <p:spPr>
+          <a:xfrm>
+            <a:off x="9017429" y="6124103"/>
+            <a:ext cx="3031958" cy="733897"/>
+          </a:xfrm>
+          <a:prstGeom prst="rect">
+            <a:avLst/>
+          </a:prstGeom>
+        </p:spPr>
+      </p:pic>
     </p:spTree>
     <p:extLst>
       <p:ext uri="{BB962C8B-B14F-4D97-AF65-F5344CB8AC3E}">
@@ -9154,6 +9447,42 @@
           </a:graphicData>
         </a:graphic>
       </p:graphicFrame>
+      <p:pic>
+        <p:nvPicPr>
+          <p:cNvPr id="8" name="그림 7">
+            <a:extLst>
+              <a:ext uri="{FF2B5EF4-FFF2-40B4-BE49-F238E27FC236}">
+                <a16:creationId xmlns:a16="http://schemas.microsoft.com/office/drawing/2014/main" id="{6C5E1EFD-EF94-4356-B6F2-CB79CE0E433A}"/>
+              </a:ext>
+            </a:extLst>
+          </p:cNvPr>
+          <p:cNvPicPr>
+            <a:picLocks noChangeAspect="1"/>
+          </p:cNvPicPr>
+          <p:nvPr/>
+        </p:nvPicPr>
+        <p:blipFill>
+          <a:blip r:embed="rId2">
+            <a:extLst>
+              <a:ext uri="{28A0092B-C50C-407E-A947-70E740481C1C}">
+                <a14:useLocalDpi xmlns:a14="http://schemas.microsoft.com/office/drawing/2010/main" val="0"/>
+              </a:ext>
+            </a:extLst>
+          </a:blip>
+          <a:stretch>
+            <a:fillRect/>
+          </a:stretch>
+        </p:blipFill>
+        <p:spPr>
+          <a:xfrm>
+            <a:off x="9017429" y="6124103"/>
+            <a:ext cx="3031958" cy="733897"/>
+          </a:xfrm>
+          <a:prstGeom prst="rect">
+            <a:avLst/>
+          </a:prstGeom>
+        </p:spPr>
+      </p:pic>
     </p:spTree>
     <p:extLst>
       <p:ext uri="{BB962C8B-B14F-4D97-AF65-F5344CB8AC3E}">
@@ -9265,6 +9594,42 @@
           </a:p>
         </p:txBody>
       </p:sp>
+      <p:pic>
+        <p:nvPicPr>
+          <p:cNvPr id="4" name="그림 3">
+            <a:extLst>
+              <a:ext uri="{FF2B5EF4-FFF2-40B4-BE49-F238E27FC236}">
+                <a16:creationId xmlns:a16="http://schemas.microsoft.com/office/drawing/2014/main" id="{638C6AA1-F655-4732-A776-27E3BEB40E96}"/>
+              </a:ext>
+            </a:extLst>
+          </p:cNvPr>
+          <p:cNvPicPr>
+            <a:picLocks noChangeAspect="1"/>
+          </p:cNvPicPr>
+          <p:nvPr/>
+        </p:nvPicPr>
+        <p:blipFill>
+          <a:blip r:embed="rId2">
+            <a:extLst>
+              <a:ext uri="{28A0092B-C50C-407E-A947-70E740481C1C}">
+                <a14:useLocalDpi xmlns:a14="http://schemas.microsoft.com/office/drawing/2010/main" val="0"/>
+              </a:ext>
+            </a:extLst>
+          </a:blip>
+          <a:stretch>
+            <a:fillRect/>
+          </a:stretch>
+        </p:blipFill>
+        <p:spPr>
+          <a:xfrm>
+            <a:off x="9017429" y="6124103"/>
+            <a:ext cx="3031958" cy="733897"/>
+          </a:xfrm>
+          <a:prstGeom prst="rect">
+            <a:avLst/>
+          </a:prstGeom>
+        </p:spPr>
+      </p:pic>
     </p:spTree>
     <p:extLst>
       <p:ext uri="{BB962C8B-B14F-4D97-AF65-F5344CB8AC3E}">
@@ -9389,7 +9754,7 @@
         </p:nvSpPr>
         <p:spPr>
           <a:xfrm>
-            <a:off x="3198944" y="2129959"/>
+            <a:off x="3193529" y="2172458"/>
             <a:ext cx="1449198" cy="523220"/>
           </a:xfrm>
           <a:prstGeom prst="rect">
@@ -9738,6 +10103,42 @@
           </a:p>
         </p:txBody>
       </p:sp>
+      <p:pic>
+        <p:nvPicPr>
+          <p:cNvPr id="11" name="그림 10">
+            <a:extLst>
+              <a:ext uri="{FF2B5EF4-FFF2-40B4-BE49-F238E27FC236}">
+                <a16:creationId xmlns:a16="http://schemas.microsoft.com/office/drawing/2014/main" id="{374B79E2-707A-4DF8-B4D5-3DA27A535904}"/>
+              </a:ext>
+            </a:extLst>
+          </p:cNvPr>
+          <p:cNvPicPr>
+            <a:picLocks noChangeAspect="1"/>
+          </p:cNvPicPr>
+          <p:nvPr/>
+        </p:nvPicPr>
+        <p:blipFill>
+          <a:blip r:embed="rId2">
+            <a:extLst>
+              <a:ext uri="{28A0092B-C50C-407E-A947-70E740481C1C}">
+                <a14:useLocalDpi xmlns:a14="http://schemas.microsoft.com/office/drawing/2010/main" val="0"/>
+              </a:ext>
+            </a:extLst>
+          </a:blip>
+          <a:stretch>
+            <a:fillRect/>
+          </a:stretch>
+        </p:blipFill>
+        <p:spPr>
+          <a:xfrm>
+            <a:off x="9017429" y="6124103"/>
+            <a:ext cx="3031958" cy="733897"/>
+          </a:xfrm>
+          <a:prstGeom prst="rect">
+            <a:avLst/>
+          </a:prstGeom>
+        </p:spPr>
+      </p:pic>
     </p:spTree>
     <p:extLst>
       <p:ext uri="{BB962C8B-B14F-4D97-AF65-F5344CB8AC3E}">

--- a/1-1_Introducing_MachineLearning.pptx
+++ b/1-1_Introducing_MachineLearning.pptx
@@ -4484,7 +4484,7 @@
         </p:nvSpPr>
         <p:spPr>
           <a:xfrm>
-            <a:off x="6627303" y="3161856"/>
+            <a:off x="6425967" y="2770675"/>
             <a:ext cx="4726497" cy="2952925"/>
           </a:xfrm>
           <a:prstGeom prst="rect">
@@ -4528,7 +4528,7 @@
         </p:nvSpPr>
         <p:spPr>
           <a:xfrm>
-            <a:off x="6912528" y="2885758"/>
+            <a:off x="6711192" y="2494577"/>
             <a:ext cx="1449198" cy="523220"/>
           </a:xfrm>
           <a:prstGeom prst="rect">
@@ -4568,7 +4568,7 @@
         </p:nvSpPr>
         <p:spPr>
           <a:xfrm>
-            <a:off x="6912528" y="3656100"/>
+            <a:off x="6711192" y="3264919"/>
             <a:ext cx="2491531" cy="2122415"/>
           </a:xfrm>
           <a:prstGeom prst="rect">
@@ -4612,7 +4612,7 @@
         </p:nvSpPr>
         <p:spPr>
           <a:xfrm>
-            <a:off x="7194698" y="4039985"/>
+            <a:off x="6993362" y="3648804"/>
             <a:ext cx="1936459" cy="1441305"/>
           </a:xfrm>
           <a:prstGeom prst="rect">
@@ -4695,7 +4695,7 @@
         </p:nvSpPr>
         <p:spPr>
           <a:xfrm>
-            <a:off x="7194698" y="3389737"/>
+            <a:off x="6993362" y="2998556"/>
             <a:ext cx="884858" cy="523220"/>
           </a:xfrm>
           <a:prstGeom prst="rect">
@@ -4737,7 +4737,7 @@
         </p:nvSpPr>
         <p:spPr>
           <a:xfrm>
-            <a:off x="9623697" y="3556478"/>
+            <a:off x="9422361" y="3165297"/>
             <a:ext cx="1593908" cy="474664"/>
           </a:xfrm>
           <a:prstGeom prst="rect">
@@ -4788,7 +4788,7 @@
         </p:nvSpPr>
         <p:spPr>
           <a:xfrm>
-            <a:off x="9623697" y="4460528"/>
+            <a:off x="9422361" y="4069347"/>
             <a:ext cx="1593908" cy="474664"/>
           </a:xfrm>
           <a:prstGeom prst="rect">
@@ -4839,7 +4839,7 @@
         </p:nvSpPr>
         <p:spPr>
           <a:xfrm>
-            <a:off x="9623697" y="5364578"/>
+            <a:off x="9422361" y="4973397"/>
             <a:ext cx="1593908" cy="474664"/>
           </a:xfrm>
           <a:prstGeom prst="rect">
@@ -6630,7 +6630,7 @@
         <p:spPr>
           <a:xfrm>
             <a:off x="838197" y="3409559"/>
-            <a:ext cx="2390193" cy="1100078"/>
+            <a:ext cx="2390194" cy="1100078"/>
           </a:xfrm>
           <a:prstGeom prst="rect">
             <a:avLst/>

--- a/1-1_Introducing_MachineLearning.pptx
+++ b/1-1_Introducing_MachineLearning.pptx
@@ -3489,8 +3489,12 @@
           <a:lstStyle/>
           <a:p>
             <a:r>
+              <a:rPr lang="en-US" altLang="ko-KR"/>
+              <a:t>Unsupervised </a:t>
+            </a:r>
+            <a:r>
               <a:rPr lang="en-US" altLang="ko-KR" dirty="0"/>
-              <a:t>Supervised Learning Algorithms and</a:t>
+              <a:t>Learning Algorithms and</a:t>
             </a:r>
             <a:br>
               <a:rPr lang="en-US" altLang="ko-KR" dirty="0"/>

--- a/1-1_Introducing_MachineLearning.pptx
+++ b/1-1_Introducing_MachineLearning.pptx
@@ -269,7 +269,7 @@
           <a:p>
             <a:fld id="{D43C9942-2545-4F48-A7A7-1164F218558C}" type="datetimeFigureOut">
               <a:rPr lang="ko-KR" altLang="en-US" smtClean="0"/>
-              <a:t>2022-03-29</a:t>
+              <a:t>2022-04-09</a:t>
             </a:fld>
             <a:endParaRPr lang="ko-KR" altLang="en-US"/>
           </a:p>
@@ -467,7 +467,7 @@
           <a:p>
             <a:fld id="{D43C9942-2545-4F48-A7A7-1164F218558C}" type="datetimeFigureOut">
               <a:rPr lang="ko-KR" altLang="en-US" smtClean="0"/>
-              <a:t>2022-03-29</a:t>
+              <a:t>2022-04-09</a:t>
             </a:fld>
             <a:endParaRPr lang="ko-KR" altLang="en-US"/>
           </a:p>
@@ -675,7 +675,7 @@
           <a:p>
             <a:fld id="{D43C9942-2545-4F48-A7A7-1164F218558C}" type="datetimeFigureOut">
               <a:rPr lang="ko-KR" altLang="en-US" smtClean="0"/>
-              <a:t>2022-03-29</a:t>
+              <a:t>2022-04-09</a:t>
             </a:fld>
             <a:endParaRPr lang="ko-KR" altLang="en-US"/>
           </a:p>
@@ -873,7 +873,7 @@
           <a:p>
             <a:fld id="{D43C9942-2545-4F48-A7A7-1164F218558C}" type="datetimeFigureOut">
               <a:rPr lang="ko-KR" altLang="en-US" smtClean="0"/>
-              <a:t>2022-03-29</a:t>
+              <a:t>2022-04-09</a:t>
             </a:fld>
             <a:endParaRPr lang="ko-KR" altLang="en-US"/>
           </a:p>
@@ -1148,7 +1148,7 @@
           <a:p>
             <a:fld id="{D43C9942-2545-4F48-A7A7-1164F218558C}" type="datetimeFigureOut">
               <a:rPr lang="ko-KR" altLang="en-US" smtClean="0"/>
-              <a:t>2022-03-29</a:t>
+              <a:t>2022-04-09</a:t>
             </a:fld>
             <a:endParaRPr lang="ko-KR" altLang="en-US"/>
           </a:p>
@@ -1413,7 +1413,7 @@
           <a:p>
             <a:fld id="{D43C9942-2545-4F48-A7A7-1164F218558C}" type="datetimeFigureOut">
               <a:rPr lang="ko-KR" altLang="en-US" smtClean="0"/>
-              <a:t>2022-03-29</a:t>
+              <a:t>2022-04-09</a:t>
             </a:fld>
             <a:endParaRPr lang="ko-KR" altLang="en-US"/>
           </a:p>
@@ -1825,7 +1825,7 @@
           <a:p>
             <a:fld id="{D43C9942-2545-4F48-A7A7-1164F218558C}" type="datetimeFigureOut">
               <a:rPr lang="ko-KR" altLang="en-US" smtClean="0"/>
-              <a:t>2022-03-29</a:t>
+              <a:t>2022-04-09</a:t>
             </a:fld>
             <a:endParaRPr lang="ko-KR" altLang="en-US"/>
           </a:p>
@@ -1966,7 +1966,7 @@
           <a:p>
             <a:fld id="{D43C9942-2545-4F48-A7A7-1164F218558C}" type="datetimeFigureOut">
               <a:rPr lang="ko-KR" altLang="en-US" smtClean="0"/>
-              <a:t>2022-03-29</a:t>
+              <a:t>2022-04-09</a:t>
             </a:fld>
             <a:endParaRPr lang="ko-KR" altLang="en-US"/>
           </a:p>
@@ -2079,7 +2079,7 @@
           <a:p>
             <a:fld id="{D43C9942-2545-4F48-A7A7-1164F218558C}" type="datetimeFigureOut">
               <a:rPr lang="ko-KR" altLang="en-US" smtClean="0"/>
-              <a:t>2022-03-29</a:t>
+              <a:t>2022-04-09</a:t>
             </a:fld>
             <a:endParaRPr lang="ko-KR" altLang="en-US"/>
           </a:p>
@@ -2390,7 +2390,7 @@
           <a:p>
             <a:fld id="{D43C9942-2545-4F48-A7A7-1164F218558C}" type="datetimeFigureOut">
               <a:rPr lang="ko-KR" altLang="en-US" smtClean="0"/>
-              <a:t>2022-03-29</a:t>
+              <a:t>2022-04-09</a:t>
             </a:fld>
             <a:endParaRPr lang="ko-KR" altLang="en-US"/>
           </a:p>
@@ -2678,7 +2678,7 @@
           <a:p>
             <a:fld id="{D43C9942-2545-4F48-A7A7-1164F218558C}" type="datetimeFigureOut">
               <a:rPr lang="ko-KR" altLang="en-US" smtClean="0"/>
-              <a:t>2022-03-29</a:t>
+              <a:t>2022-04-09</a:t>
             </a:fld>
             <a:endParaRPr lang="ko-KR" altLang="en-US"/>
           </a:p>
@@ -2919,7 +2919,7 @@
           <a:p>
             <a:fld id="{D43C9942-2545-4F48-A7A7-1164F218558C}" type="datetimeFigureOut">
               <a:rPr lang="ko-KR" altLang="en-US" smtClean="0"/>
-              <a:t>2022-03-29</a:t>
+              <a:t>2022-04-09</a:t>
             </a:fld>
             <a:endParaRPr lang="ko-KR" altLang="en-US"/>
           </a:p>
@@ -3489,21 +3489,21 @@
           <a:lstStyle/>
           <a:p>
             <a:r>
-              <a:rPr lang="en-US" altLang="ko-KR"/>
-              <a:t>Unsupervised </a:t>
-            </a:r>
-            <a:r>
               <a:rPr lang="en-US" altLang="ko-KR" dirty="0"/>
-              <a:t>Learning Algorithms and</a:t>
+              <a:t>Unsupervised Learning Algorithms</a:t>
             </a:r>
             <a:br>
               <a:rPr lang="en-US" altLang="ko-KR" dirty="0"/>
             </a:br>
             <a:r>
-              <a:rPr lang="en-US" altLang="ko-KR" dirty="0"/>
-              <a:t>Classification and Regression Problems</a:t>
-            </a:r>
-            <a:endParaRPr lang="ko-KR" altLang="en-US" dirty="0"/>
+              <a:rPr lang="en-US" altLang="ko-KR" sz="2400" dirty="0"/>
+              <a:t>Dimensionality reduction </a:t>
+            </a:r>
+            <a:r>
+              <a:rPr lang="en-US" altLang="ko-KR" sz="2400"/>
+              <a:t>and clustering</a:t>
+            </a:r>
+            <a:endParaRPr lang="ko-KR" altLang="en-US" sz="2400" dirty="0"/>
           </a:p>
         </p:txBody>
       </p:sp>
@@ -7832,16 +7832,16 @@
           <a:p>
             <a:r>
               <a:rPr lang="en-US" altLang="ko-KR" dirty="0"/>
-              <a:t>Supervised Learning Algorithms and</a:t>
+              <a:t>Supervised Learning Algorithm</a:t>
             </a:r>
             <a:br>
               <a:rPr lang="en-US" altLang="ko-KR" dirty="0"/>
             </a:br>
             <a:r>
-              <a:rPr lang="en-US" altLang="ko-KR" dirty="0"/>
+              <a:rPr lang="en-US" altLang="ko-KR" sz="2400" dirty="0"/>
               <a:t>Classification and Regression Problems</a:t>
             </a:r>
-            <a:endParaRPr lang="ko-KR" altLang="en-US" dirty="0"/>
+            <a:endParaRPr lang="ko-KR" altLang="en-US" sz="2400" dirty="0"/>
           </a:p>
         </p:txBody>
       </p:sp>

--- a/1-1_Introducing_MachineLearning.pptx
+++ b/1-1_Introducing_MachineLearning.pptx
@@ -269,7 +269,7 @@
           <a:p>
             <a:fld id="{D43C9942-2545-4F48-A7A7-1164F218558C}" type="datetimeFigureOut">
               <a:rPr lang="ko-KR" altLang="en-US" smtClean="0"/>
-              <a:t>2022-04-09</a:t>
+              <a:t>2022-04-12</a:t>
             </a:fld>
             <a:endParaRPr lang="ko-KR" altLang="en-US"/>
           </a:p>
@@ -467,7 +467,7 @@
           <a:p>
             <a:fld id="{D43C9942-2545-4F48-A7A7-1164F218558C}" type="datetimeFigureOut">
               <a:rPr lang="ko-KR" altLang="en-US" smtClean="0"/>
-              <a:t>2022-04-09</a:t>
+              <a:t>2022-04-12</a:t>
             </a:fld>
             <a:endParaRPr lang="ko-KR" altLang="en-US"/>
           </a:p>
@@ -675,7 +675,7 @@
           <a:p>
             <a:fld id="{D43C9942-2545-4F48-A7A7-1164F218558C}" type="datetimeFigureOut">
               <a:rPr lang="ko-KR" altLang="en-US" smtClean="0"/>
-              <a:t>2022-04-09</a:t>
+              <a:t>2022-04-12</a:t>
             </a:fld>
             <a:endParaRPr lang="ko-KR" altLang="en-US"/>
           </a:p>
@@ -873,7 +873,7 @@
           <a:p>
             <a:fld id="{D43C9942-2545-4F48-A7A7-1164F218558C}" type="datetimeFigureOut">
               <a:rPr lang="ko-KR" altLang="en-US" smtClean="0"/>
-              <a:t>2022-04-09</a:t>
+              <a:t>2022-04-12</a:t>
             </a:fld>
             <a:endParaRPr lang="ko-KR" altLang="en-US"/>
           </a:p>
@@ -1148,7 +1148,7 @@
           <a:p>
             <a:fld id="{D43C9942-2545-4F48-A7A7-1164F218558C}" type="datetimeFigureOut">
               <a:rPr lang="ko-KR" altLang="en-US" smtClean="0"/>
-              <a:t>2022-04-09</a:t>
+              <a:t>2022-04-12</a:t>
             </a:fld>
             <a:endParaRPr lang="ko-KR" altLang="en-US"/>
           </a:p>
@@ -1413,7 +1413,7 @@
           <a:p>
             <a:fld id="{D43C9942-2545-4F48-A7A7-1164F218558C}" type="datetimeFigureOut">
               <a:rPr lang="ko-KR" altLang="en-US" smtClean="0"/>
-              <a:t>2022-04-09</a:t>
+              <a:t>2022-04-12</a:t>
             </a:fld>
             <a:endParaRPr lang="ko-KR" altLang="en-US"/>
           </a:p>
@@ -1825,7 +1825,7 @@
           <a:p>
             <a:fld id="{D43C9942-2545-4F48-A7A7-1164F218558C}" type="datetimeFigureOut">
               <a:rPr lang="ko-KR" altLang="en-US" smtClean="0"/>
-              <a:t>2022-04-09</a:t>
+              <a:t>2022-04-12</a:t>
             </a:fld>
             <a:endParaRPr lang="ko-KR" altLang="en-US"/>
           </a:p>
@@ -1966,7 +1966,7 @@
           <a:p>
             <a:fld id="{D43C9942-2545-4F48-A7A7-1164F218558C}" type="datetimeFigureOut">
               <a:rPr lang="ko-KR" altLang="en-US" smtClean="0"/>
-              <a:t>2022-04-09</a:t>
+              <a:t>2022-04-12</a:t>
             </a:fld>
             <a:endParaRPr lang="ko-KR" altLang="en-US"/>
           </a:p>
@@ -2079,7 +2079,7 @@
           <a:p>
             <a:fld id="{D43C9942-2545-4F48-A7A7-1164F218558C}" type="datetimeFigureOut">
               <a:rPr lang="ko-KR" altLang="en-US" smtClean="0"/>
-              <a:t>2022-04-09</a:t>
+              <a:t>2022-04-12</a:t>
             </a:fld>
             <a:endParaRPr lang="ko-KR" altLang="en-US"/>
           </a:p>
@@ -2390,7 +2390,7 @@
           <a:p>
             <a:fld id="{D43C9942-2545-4F48-A7A7-1164F218558C}" type="datetimeFigureOut">
               <a:rPr lang="ko-KR" altLang="en-US" smtClean="0"/>
-              <a:t>2022-04-09</a:t>
+              <a:t>2022-04-12</a:t>
             </a:fld>
             <a:endParaRPr lang="ko-KR" altLang="en-US"/>
           </a:p>
@@ -2678,7 +2678,7 @@
           <a:p>
             <a:fld id="{D43C9942-2545-4F48-A7A7-1164F218558C}" type="datetimeFigureOut">
               <a:rPr lang="ko-KR" altLang="en-US" smtClean="0"/>
-              <a:t>2022-04-09</a:t>
+              <a:t>2022-04-12</a:t>
             </a:fld>
             <a:endParaRPr lang="ko-KR" altLang="en-US"/>
           </a:p>
@@ -2919,7 +2919,7 @@
           <a:p>
             <a:fld id="{D43C9942-2545-4F48-A7A7-1164F218558C}" type="datetimeFigureOut">
               <a:rPr lang="ko-KR" altLang="en-US" smtClean="0"/>
-              <a:t>2022-04-09</a:t>
+              <a:t>2022-04-12</a:t>
             </a:fld>
             <a:endParaRPr lang="ko-KR" altLang="en-US"/>
           </a:p>
@@ -3437,6 +3437,52 @@
           </a:prstGeom>
         </p:spPr>
       </p:pic>
+      <p:sp>
+        <p:nvSpPr>
+          <p:cNvPr id="5" name="TextBox 4">
+            <a:extLst>
+              <a:ext uri="{FF2B5EF4-FFF2-40B4-BE49-F238E27FC236}">
+                <a16:creationId xmlns:a16="http://schemas.microsoft.com/office/drawing/2014/main" id="{A9755529-84F6-4433-AAA3-D07D2BB9927F}"/>
+              </a:ext>
+            </a:extLst>
+          </p:cNvPr>
+          <p:cNvSpPr txBox="1"/>
+          <p:nvPr/>
+        </p:nvSpPr>
+        <p:spPr>
+          <a:xfrm>
+            <a:off x="0" y="6211669"/>
+            <a:ext cx="2805576" cy="646331"/>
+          </a:xfrm>
+          <a:prstGeom prst="rect">
+            <a:avLst/>
+          </a:prstGeom>
+          <a:noFill/>
+        </p:spPr>
+        <p:txBody>
+          <a:bodyPr wrap="none" rtlCol="0">
+            <a:spAutoFit/>
+          </a:bodyPr>
+          <a:lstStyle/>
+          <a:p>
+            <a:r>
+              <a:rPr lang="ko-KR" altLang="en-US" dirty="0"/>
+              <a:t>경희대학교 컴퓨터공학과</a:t>
+            </a:r>
+            <a:endParaRPr lang="en-US" altLang="ko-KR" dirty="0"/>
+          </a:p>
+          <a:p>
+            <a:r>
+              <a:rPr lang="en-US" altLang="ko-KR" dirty="0"/>
+              <a:t>2019102191 </a:t>
+            </a:r>
+            <a:r>
+              <a:rPr lang="ko-KR" altLang="en-US" dirty="0"/>
+              <a:t>신주영</a:t>
+            </a:r>
+          </a:p>
+        </p:txBody>
+      </p:sp>
     </p:spTree>
     <p:extLst>
       <p:ext uri="{BB962C8B-B14F-4D97-AF65-F5344CB8AC3E}">
